--- a/Slides/18. Laços de Repetição While e Do-While.pptx
+++ b/Slides/18. Laços de Repetição While e Do-While.pptx
@@ -173,7 +173,7 @@
   <pc:docChgLst>
     <pc:chgData name="Judson Santiago" userId="ebb108da2f256286" providerId="LiveId" clId="{CAB04DB5-A36C-49EA-9B35-A61130DB7BDC}"/>
     <pc:docChg chg="undo custSel addSld delSld modSld modMainMaster">
-      <pc:chgData name="Judson Santiago" userId="ebb108da2f256286" providerId="LiveId" clId="{CAB04DB5-A36C-49EA-9B35-A61130DB7BDC}" dt="2021-05-02T03:18:49.857" v="1945" actId="948"/>
+      <pc:chgData name="Judson Santiago" userId="ebb108da2f256286" providerId="LiveId" clId="{CAB04DB5-A36C-49EA-9B35-A61130DB7BDC}" dt="2021-05-04T17:44:20.109" v="1946" actId="207"/>
       <pc:docMkLst>
         <pc:docMk/>
       </pc:docMkLst>
@@ -480,13 +480,13 @@
         </pc:spChg>
       </pc:sldChg>
       <pc:sldChg chg="modSp mod">
-        <pc:chgData name="Judson Santiago" userId="ebb108da2f256286" providerId="LiveId" clId="{CAB04DB5-A36C-49EA-9B35-A61130DB7BDC}" dt="2021-05-02T00:53:55.357" v="377" actId="1076"/>
+        <pc:chgData name="Judson Santiago" userId="ebb108da2f256286" providerId="LiveId" clId="{CAB04DB5-A36C-49EA-9B35-A61130DB7BDC}" dt="2021-05-04T17:44:20.109" v="1946" actId="207"/>
         <pc:sldMkLst>
           <pc:docMk/>
           <pc:sldMk cId="0" sldId="301"/>
         </pc:sldMkLst>
         <pc:spChg chg="mod">
-          <ac:chgData name="Judson Santiago" userId="ebb108da2f256286" providerId="LiveId" clId="{CAB04DB5-A36C-49EA-9B35-A61130DB7BDC}" dt="2021-05-02T00:52:36.822" v="374" actId="20577"/>
+          <ac:chgData name="Judson Santiago" userId="ebb108da2f256286" providerId="LiveId" clId="{CAB04DB5-A36C-49EA-9B35-A61130DB7BDC}" dt="2021-05-04T17:44:20.109" v="1946" actId="207"/>
           <ac:spMkLst>
             <pc:docMk/>
             <pc:sldMk cId="0" sldId="301"/>
@@ -3785,7 +3785,7 @@
             <a:fld id="{28A4E469-1D52-4F9A-B782-CF632BA3CAE2}" type="datetimeFigureOut">
               <a:rPr lang="pt-BR" smtClean="0"/>
               <a:pPr/>
-              <a:t>01/05/2021</a:t>
+              <a:t>04/05/2021</a:t>
             </a:fld>
             <a:endParaRPr lang="pt-BR"/>
           </a:p>
@@ -5985,7 +5985,7 @@
             <a:fld id="{809BAF9C-B8D8-46D5-A346-6170F2D232B6}" type="datetimeFigureOut">
               <a:rPr lang="pt-BR" smtClean="0"/>
               <a:pPr/>
-              <a:t>01/05/2021</a:t>
+              <a:t>04/05/2021</a:t>
             </a:fld>
             <a:endParaRPr lang="pt-BR"/>
           </a:p>
@@ -6540,7 +6540,7 @@
             <a:fld id="{809BAF9C-B8D8-46D5-A346-6170F2D232B6}" type="datetimeFigureOut">
               <a:rPr lang="pt-BR" smtClean="0"/>
               <a:pPr/>
-              <a:t>01/05/2021</a:t>
+              <a:t>04/05/2021</a:t>
             </a:fld>
             <a:endParaRPr lang="pt-BR"/>
           </a:p>
@@ -6717,7 +6717,7 @@
             <a:fld id="{809BAF9C-B8D8-46D5-A346-6170F2D232B6}" type="datetimeFigureOut">
               <a:rPr lang="pt-BR" smtClean="0"/>
               <a:pPr/>
-              <a:t>01/05/2021</a:t>
+              <a:t>04/05/2021</a:t>
             </a:fld>
             <a:endParaRPr lang="pt-BR"/>
           </a:p>
@@ -6884,7 +6884,7 @@
             <a:fld id="{809BAF9C-B8D8-46D5-A346-6170F2D232B6}" type="datetimeFigureOut">
               <a:rPr lang="pt-BR" smtClean="0"/>
               <a:pPr/>
-              <a:t>01/05/2021</a:t>
+              <a:t>04/05/2021</a:t>
             </a:fld>
             <a:endParaRPr lang="pt-BR"/>
           </a:p>
@@ -8333,7 +8333,7 @@
             <a:fld id="{809BAF9C-B8D8-46D5-A346-6170F2D232B6}" type="datetimeFigureOut">
               <a:rPr lang="pt-BR" smtClean="0"/>
               <a:pPr/>
-              <a:t>01/05/2021</a:t>
+              <a:t>04/05/2021</a:t>
             </a:fld>
             <a:endParaRPr lang="pt-BR"/>
           </a:p>
@@ -8915,7 +8915,7 @@
             <a:fld id="{809BAF9C-B8D8-46D5-A346-6170F2D232B6}" type="datetimeFigureOut">
               <a:rPr lang="pt-BR" smtClean="0"/>
               <a:pPr/>
-              <a:t>01/05/2021</a:t>
+              <a:t>04/05/2021</a:t>
             </a:fld>
             <a:endParaRPr lang="pt-BR"/>
           </a:p>
@@ -9346,7 +9346,7 @@
             <a:fld id="{809BAF9C-B8D8-46D5-A346-6170F2D232B6}" type="datetimeFigureOut">
               <a:rPr lang="pt-BR" smtClean="0"/>
               <a:pPr/>
-              <a:t>01/05/2021</a:t>
+              <a:t>04/05/2021</a:t>
             </a:fld>
             <a:endParaRPr lang="pt-BR"/>
           </a:p>
@@ -9885,7 +9885,7 @@
             <a:fld id="{809BAF9C-B8D8-46D5-A346-6170F2D232B6}" type="datetimeFigureOut">
               <a:rPr lang="pt-BR" smtClean="0"/>
               <a:pPr/>
-              <a:t>01/05/2021</a:t>
+              <a:t>04/05/2021</a:t>
             </a:fld>
             <a:endParaRPr lang="pt-BR"/>
           </a:p>
@@ -9977,7 +9977,7 @@
             <a:fld id="{809BAF9C-B8D8-46D5-A346-6170F2D232B6}" type="datetimeFigureOut">
               <a:rPr lang="pt-BR" smtClean="0"/>
               <a:pPr/>
-              <a:t>01/05/2021</a:t>
+              <a:t>04/05/2021</a:t>
             </a:fld>
             <a:endParaRPr lang="pt-BR"/>
           </a:p>
@@ -10227,7 +10227,7 @@
             <a:fld id="{809BAF9C-B8D8-46D5-A346-6170F2D232B6}" type="datetimeFigureOut">
               <a:rPr lang="pt-BR" smtClean="0"/>
               <a:pPr/>
-              <a:t>01/05/2021</a:t>
+              <a:t>04/05/2021</a:t>
             </a:fld>
             <a:endParaRPr lang="pt-BR"/>
           </a:p>
@@ -10942,7 +10942,7 @@
             <a:fld id="{809BAF9C-B8D8-46D5-A346-6170F2D232B6}" type="datetimeFigureOut">
               <a:rPr lang="pt-BR" smtClean="0"/>
               <a:pPr/>
-              <a:t>01/05/2021</a:t>
+              <a:t>04/05/2021</a:t>
             </a:fld>
             <a:endParaRPr lang="pt-BR"/>
           </a:p>
@@ -11223,7 +11223,7 @@
             <a:fld id="{809BAF9C-B8D8-46D5-A346-6170F2D232B6}" type="datetimeFigureOut">
               <a:rPr lang="pt-BR" smtClean="0"/>
               <a:pPr/>
-              <a:t>01/05/2021</a:t>
+              <a:t>04/05/2021</a:t>
             </a:fld>
             <a:endParaRPr lang="pt-BR"/>
           </a:p>
@@ -27199,11 +27199,11 @@
                   </a:schemeClr>
                 </a:solidFill>
               </a:rPr>
-              <a:t>atribuição</a:t>
+              <a:t>atribuição com</a:t>
             </a:r>
             <a:r>
               <a:rPr lang="pt-BR" dirty="0"/>
-              <a:t> com uma expressão de </a:t>
+              <a:t> uma expressão de </a:t>
             </a:r>
             <a:r>
               <a:rPr lang="pt-BR" dirty="0">
